--- a/powerpoints/bims_tour_coup.pptx
+++ b/powerpoints/bims_tour_coup.pptx
@@ -2,18 +2,18 @@
 <file path=ppt/presentation.xml><?xml version="1.0" encoding="utf-8"?>
 <p:presentation xmlns:a="http://schemas.openxmlformats.org/drawingml/2006/main" xmlns:r="http://schemas.openxmlformats.org/officeDocument/2006/relationships" xmlns:p="http://schemas.openxmlformats.org/presentationml/2006/main" saveSubsetFonts="1">
   <p:sldMasterIdLst>
-    <p:sldMasterId id="2147483696" r:id="rId1"/>
+    <p:sldMasterId id="2147483708" r:id="rId1"/>
   </p:sldMasterIdLst>
   <p:sldIdLst>
     <p:sldId id="256" r:id="rId2"/>
   </p:sldIdLst>
-  <p:sldSz cx="13919200" cy="10439400"/>
+  <p:sldSz cx="30600650" cy="19799300"/>
   <p:notesSz cx="6858000" cy="9144000"/>
   <p:defaultTextStyle>
     <a:defPPr>
       <a:defRPr lang="en-US"/>
     </a:defPPr>
-    <a:lvl1pPr marL="0" algn="l" defTabSz="457177" rtl="0" eaLnBrk="1" latinLnBrk="0" hangingPunct="1">
+    <a:lvl1pPr marL="0" algn="l" defTabSz="457200" rtl="0" eaLnBrk="1" latinLnBrk="0" hangingPunct="1">
       <a:defRPr sz="1800" kern="1200">
         <a:solidFill>
           <a:schemeClr val="tx1"/>
@@ -23,7 +23,7 @@
         <a:cs typeface="+mn-cs"/>
       </a:defRPr>
     </a:lvl1pPr>
-    <a:lvl2pPr marL="457177" algn="l" defTabSz="457177" rtl="0" eaLnBrk="1" latinLnBrk="0" hangingPunct="1">
+    <a:lvl2pPr marL="457200" algn="l" defTabSz="457200" rtl="0" eaLnBrk="1" latinLnBrk="0" hangingPunct="1">
       <a:defRPr sz="1800" kern="1200">
         <a:solidFill>
           <a:schemeClr val="tx1"/>
@@ -33,7 +33,7 @@
         <a:cs typeface="+mn-cs"/>
       </a:defRPr>
     </a:lvl2pPr>
-    <a:lvl3pPr marL="914354" algn="l" defTabSz="457177" rtl="0" eaLnBrk="1" latinLnBrk="0" hangingPunct="1">
+    <a:lvl3pPr marL="914400" algn="l" defTabSz="457200" rtl="0" eaLnBrk="1" latinLnBrk="0" hangingPunct="1">
       <a:defRPr sz="1800" kern="1200">
         <a:solidFill>
           <a:schemeClr val="tx1"/>
@@ -43,7 +43,7 @@
         <a:cs typeface="+mn-cs"/>
       </a:defRPr>
     </a:lvl3pPr>
-    <a:lvl4pPr marL="1371531" algn="l" defTabSz="457177" rtl="0" eaLnBrk="1" latinLnBrk="0" hangingPunct="1">
+    <a:lvl4pPr marL="1371600" algn="l" defTabSz="457200" rtl="0" eaLnBrk="1" latinLnBrk="0" hangingPunct="1">
       <a:defRPr sz="1800" kern="1200">
         <a:solidFill>
           <a:schemeClr val="tx1"/>
@@ -53,7 +53,7 @@
         <a:cs typeface="+mn-cs"/>
       </a:defRPr>
     </a:lvl4pPr>
-    <a:lvl5pPr marL="1828709" algn="l" defTabSz="457177" rtl="0" eaLnBrk="1" latinLnBrk="0" hangingPunct="1">
+    <a:lvl5pPr marL="1828800" algn="l" defTabSz="457200" rtl="0" eaLnBrk="1" latinLnBrk="0" hangingPunct="1">
       <a:defRPr sz="1800" kern="1200">
         <a:solidFill>
           <a:schemeClr val="tx1"/>
@@ -63,7 +63,7 @@
         <a:cs typeface="+mn-cs"/>
       </a:defRPr>
     </a:lvl5pPr>
-    <a:lvl6pPr marL="2285886" algn="l" defTabSz="457177" rtl="0" eaLnBrk="1" latinLnBrk="0" hangingPunct="1">
+    <a:lvl6pPr marL="2286000" algn="l" defTabSz="457200" rtl="0" eaLnBrk="1" latinLnBrk="0" hangingPunct="1">
       <a:defRPr sz="1800" kern="1200">
         <a:solidFill>
           <a:schemeClr val="tx1"/>
@@ -73,7 +73,7 @@
         <a:cs typeface="+mn-cs"/>
       </a:defRPr>
     </a:lvl6pPr>
-    <a:lvl7pPr marL="2743063" algn="l" defTabSz="457177" rtl="0" eaLnBrk="1" latinLnBrk="0" hangingPunct="1">
+    <a:lvl7pPr marL="2743200" algn="l" defTabSz="457200" rtl="0" eaLnBrk="1" latinLnBrk="0" hangingPunct="1">
       <a:defRPr sz="1800" kern="1200">
         <a:solidFill>
           <a:schemeClr val="tx1"/>
@@ -83,7 +83,7 @@
         <a:cs typeface="+mn-cs"/>
       </a:defRPr>
     </a:lvl7pPr>
-    <a:lvl8pPr marL="3200240" algn="l" defTabSz="457177" rtl="0" eaLnBrk="1" latinLnBrk="0" hangingPunct="1">
+    <a:lvl8pPr marL="3200400" algn="l" defTabSz="457200" rtl="0" eaLnBrk="1" latinLnBrk="0" hangingPunct="1">
       <a:defRPr sz="1800" kern="1200">
         <a:solidFill>
           <a:schemeClr val="tx1"/>
@@ -93,7 +93,7 @@
         <a:cs typeface="+mn-cs"/>
       </a:defRPr>
     </a:lvl8pPr>
-    <a:lvl9pPr marL="3657417" algn="l" defTabSz="457177" rtl="0" eaLnBrk="1" latinLnBrk="0" hangingPunct="1">
+    <a:lvl9pPr marL="3657600" algn="l" defTabSz="457200" rtl="0" eaLnBrk="1" latinLnBrk="0" hangingPunct="1">
       <a:defRPr sz="1800" kern="1200">
         <a:solidFill>
           <a:schemeClr val="tx1"/>
@@ -141,15 +141,15 @@
         </p:nvSpPr>
         <p:spPr>
           <a:xfrm>
-            <a:off x="1043941" y="1708486"/>
-            <a:ext cx="11831320" cy="3634458"/>
+            <a:off x="2295049" y="3240303"/>
+            <a:ext cx="26010553" cy="6893090"/>
           </a:xfrm>
         </p:spPr>
         <p:txBody>
           <a:bodyPr anchor="b"/>
           <a:lstStyle>
             <a:lvl1pPr algn="ctr">
-              <a:defRPr sz="9133"/>
+              <a:defRPr sz="17322"/>
             </a:lvl1pPr>
           </a:lstStyle>
           <a:p>
@@ -173,8 +173,8 @@
         </p:nvSpPr>
         <p:spPr>
           <a:xfrm>
-            <a:off x="1739901" y="5483102"/>
-            <a:ext cx="10439400" cy="2520438"/>
+            <a:off x="3825081" y="10399217"/>
+            <a:ext cx="22950488" cy="4780246"/>
           </a:xfrm>
         </p:spPr>
         <p:txBody>
@@ -182,39 +182,39 @@
           <a:lstStyle>
             <a:lvl1pPr marL="0" indent="0" algn="ctr">
               <a:buNone/>
-              <a:defRPr sz="3653"/>
+              <a:defRPr sz="6929"/>
             </a:lvl1pPr>
-            <a:lvl2pPr marL="695976" indent="0" algn="ctr">
-              <a:buNone/>
-              <a:defRPr sz="3045"/>
+            <a:lvl2pPr marL="1319936" indent="0" algn="ctr">
+              <a:buNone/>
+              <a:defRPr sz="5774"/>
             </a:lvl2pPr>
-            <a:lvl3pPr marL="1391953" indent="0" algn="ctr">
-              <a:buNone/>
-              <a:defRPr sz="2741"/>
+            <a:lvl3pPr marL="2639873" indent="0" algn="ctr">
+              <a:buNone/>
+              <a:defRPr sz="5197"/>
             </a:lvl3pPr>
-            <a:lvl4pPr marL="2087929" indent="0" algn="ctr">
-              <a:buNone/>
-              <a:defRPr sz="2437"/>
+            <a:lvl4pPr marL="3959809" indent="0" algn="ctr">
+              <a:buNone/>
+              <a:defRPr sz="4619"/>
             </a:lvl4pPr>
-            <a:lvl5pPr marL="2783903" indent="0" algn="ctr">
-              <a:buNone/>
-              <a:defRPr sz="2437"/>
+            <a:lvl5pPr marL="5279746" indent="0" algn="ctr">
+              <a:buNone/>
+              <a:defRPr sz="4619"/>
             </a:lvl5pPr>
-            <a:lvl6pPr marL="3479879" indent="0" algn="ctr">
-              <a:buNone/>
-              <a:defRPr sz="2437"/>
+            <a:lvl6pPr marL="6599682" indent="0" algn="ctr">
+              <a:buNone/>
+              <a:defRPr sz="4619"/>
             </a:lvl6pPr>
-            <a:lvl7pPr marL="4175856" indent="0" algn="ctr">
-              <a:buNone/>
-              <a:defRPr sz="2437"/>
+            <a:lvl7pPr marL="7919618" indent="0" algn="ctr">
+              <a:buNone/>
+              <a:defRPr sz="4619"/>
             </a:lvl7pPr>
-            <a:lvl8pPr marL="4871832" indent="0" algn="ctr">
-              <a:buNone/>
-              <a:defRPr sz="2437"/>
+            <a:lvl8pPr marL="9239555" indent="0" algn="ctr">
+              <a:buNone/>
+              <a:defRPr sz="4619"/>
             </a:lvl8pPr>
-            <a:lvl9pPr marL="5567808" indent="0" algn="ctr">
-              <a:buNone/>
-              <a:defRPr sz="2437"/>
+            <a:lvl9pPr marL="10559491" indent="0" algn="ctr">
+              <a:buNone/>
+              <a:defRPr sz="4619"/>
             </a:lvl9pPr>
           </a:lstStyle>
           <a:p>
@@ -294,7 +294,7 @@
     </p:spTree>
     <p:extLst>
       <p:ext uri="{BB962C8B-B14F-4D97-AF65-F5344CB8AC3E}">
-        <p14:creationId xmlns:p14="http://schemas.microsoft.com/office/powerpoint/2010/main" val="196572514"/>
+        <p14:creationId xmlns:p14="http://schemas.microsoft.com/office/powerpoint/2010/main" val="1769998695"/>
       </p:ext>
     </p:extLst>
   </p:cSld>
@@ -464,7 +464,7 @@
     </p:spTree>
     <p:extLst>
       <p:ext uri="{BB962C8B-B14F-4D97-AF65-F5344CB8AC3E}">
-        <p14:creationId xmlns:p14="http://schemas.microsoft.com/office/powerpoint/2010/main" val="3328615524"/>
+        <p14:creationId xmlns:p14="http://schemas.microsoft.com/office/powerpoint/2010/main" val="711379913"/>
       </p:ext>
     </p:extLst>
   </p:cSld>
@@ -503,8 +503,8 @@
         </p:nvSpPr>
         <p:spPr>
           <a:xfrm>
-            <a:off x="9960928" y="555803"/>
-            <a:ext cx="3001328" cy="8846909"/>
+            <a:off x="21898592" y="1054129"/>
+            <a:ext cx="6598265" cy="16778992"/>
           </a:xfrm>
         </p:spPr>
         <p:txBody>
@@ -531,8 +531,8 @@
         </p:nvSpPr>
         <p:spPr>
           <a:xfrm>
-            <a:off x="956946" y="555803"/>
-            <a:ext cx="8829993" cy="8846909"/>
+            <a:off x="2103797" y="1054129"/>
+            <a:ext cx="19412287" cy="16778992"/>
           </a:xfrm>
         </p:spPr>
         <p:txBody>
@@ -644,7 +644,7 @@
     </p:spTree>
     <p:extLst>
       <p:ext uri="{BB962C8B-B14F-4D97-AF65-F5344CB8AC3E}">
-        <p14:creationId xmlns:p14="http://schemas.microsoft.com/office/powerpoint/2010/main" val="4210305148"/>
+        <p14:creationId xmlns:p14="http://schemas.microsoft.com/office/powerpoint/2010/main" val="2913149999"/>
       </p:ext>
     </p:extLst>
   </p:cSld>
@@ -814,7 +814,7 @@
     </p:spTree>
     <p:extLst>
       <p:ext uri="{BB962C8B-B14F-4D97-AF65-F5344CB8AC3E}">
-        <p14:creationId xmlns:p14="http://schemas.microsoft.com/office/powerpoint/2010/main" val="2101160215"/>
+        <p14:creationId xmlns:p14="http://schemas.microsoft.com/office/powerpoint/2010/main" val="4095190157"/>
       </p:ext>
     </p:extLst>
   </p:cSld>
@@ -853,15 +853,15 @@
         </p:nvSpPr>
         <p:spPr>
           <a:xfrm>
-            <a:off x="949696" y="2602602"/>
-            <a:ext cx="12005310" cy="4342501"/>
+            <a:off x="2087858" y="4936081"/>
+            <a:ext cx="26393061" cy="8235957"/>
           </a:xfrm>
         </p:spPr>
         <p:txBody>
           <a:bodyPr anchor="b"/>
           <a:lstStyle>
             <a:lvl1pPr>
-              <a:defRPr sz="9133"/>
+              <a:defRPr sz="17322"/>
             </a:lvl1pPr>
           </a:lstStyle>
           <a:p>
@@ -885,8 +885,8 @@
         </p:nvSpPr>
         <p:spPr>
           <a:xfrm>
-            <a:off x="949696" y="6986185"/>
-            <a:ext cx="12005310" cy="2283618"/>
+            <a:off x="2087858" y="13249954"/>
+            <a:ext cx="26393061" cy="4331095"/>
           </a:xfrm>
         </p:spPr>
         <p:txBody>
@@ -894,15 +894,15 @@
           <a:lstStyle>
             <a:lvl1pPr marL="0" indent="0">
               <a:buNone/>
-              <a:defRPr sz="3653">
+              <a:defRPr sz="6929">
                 <a:solidFill>
                   <a:schemeClr val="tx1"/>
                 </a:solidFill>
               </a:defRPr>
             </a:lvl1pPr>
-            <a:lvl2pPr marL="695976" indent="0">
-              <a:buNone/>
-              <a:defRPr sz="3045">
+            <a:lvl2pPr marL="1319936" indent="0">
+              <a:buNone/>
+              <a:defRPr sz="5774">
                 <a:solidFill>
                   <a:schemeClr val="tx1">
                     <a:tint val="75000"/>
@@ -910,9 +910,9 @@
                 </a:solidFill>
               </a:defRPr>
             </a:lvl2pPr>
-            <a:lvl3pPr marL="1391953" indent="0">
-              <a:buNone/>
-              <a:defRPr sz="2741">
+            <a:lvl3pPr marL="2639873" indent="0">
+              <a:buNone/>
+              <a:defRPr sz="5197">
                 <a:solidFill>
                   <a:schemeClr val="tx1">
                     <a:tint val="75000"/>
@@ -920,9 +920,9 @@
                 </a:solidFill>
               </a:defRPr>
             </a:lvl3pPr>
-            <a:lvl4pPr marL="2087929" indent="0">
-              <a:buNone/>
-              <a:defRPr sz="2437">
+            <a:lvl4pPr marL="3959809" indent="0">
+              <a:buNone/>
+              <a:defRPr sz="4619">
                 <a:solidFill>
                   <a:schemeClr val="tx1">
                     <a:tint val="75000"/>
@@ -930,9 +930,9 @@
                 </a:solidFill>
               </a:defRPr>
             </a:lvl4pPr>
-            <a:lvl5pPr marL="2783903" indent="0">
-              <a:buNone/>
-              <a:defRPr sz="2437">
+            <a:lvl5pPr marL="5279746" indent="0">
+              <a:buNone/>
+              <a:defRPr sz="4619">
                 <a:solidFill>
                   <a:schemeClr val="tx1">
                     <a:tint val="75000"/>
@@ -940,9 +940,9 @@
                 </a:solidFill>
               </a:defRPr>
             </a:lvl5pPr>
-            <a:lvl6pPr marL="3479879" indent="0">
-              <a:buNone/>
-              <a:defRPr sz="2437">
+            <a:lvl6pPr marL="6599682" indent="0">
+              <a:buNone/>
+              <a:defRPr sz="4619">
                 <a:solidFill>
                   <a:schemeClr val="tx1">
                     <a:tint val="75000"/>
@@ -950,9 +950,9 @@
                 </a:solidFill>
               </a:defRPr>
             </a:lvl6pPr>
-            <a:lvl7pPr marL="4175856" indent="0">
-              <a:buNone/>
-              <a:defRPr sz="2437">
+            <a:lvl7pPr marL="7919618" indent="0">
+              <a:buNone/>
+              <a:defRPr sz="4619">
                 <a:solidFill>
                   <a:schemeClr val="tx1">
                     <a:tint val="75000"/>
@@ -960,9 +960,9 @@
                 </a:solidFill>
               </a:defRPr>
             </a:lvl7pPr>
-            <a:lvl8pPr marL="4871832" indent="0">
-              <a:buNone/>
-              <a:defRPr sz="2437">
+            <a:lvl8pPr marL="9239555" indent="0">
+              <a:buNone/>
+              <a:defRPr sz="4619">
                 <a:solidFill>
                   <a:schemeClr val="tx1">
                     <a:tint val="75000"/>
@@ -970,9 +970,9 @@
                 </a:solidFill>
               </a:defRPr>
             </a:lvl8pPr>
-            <a:lvl9pPr marL="5567808" indent="0">
-              <a:buNone/>
-              <a:defRPr sz="2437">
+            <a:lvl9pPr marL="10559491" indent="0">
+              <a:buNone/>
+              <a:defRPr sz="4619">
                 <a:solidFill>
                   <a:schemeClr val="tx1">
                     <a:tint val="75000"/>
@@ -1058,7 +1058,7 @@
     </p:spTree>
     <p:extLst>
       <p:ext uri="{BB962C8B-B14F-4D97-AF65-F5344CB8AC3E}">
-        <p14:creationId xmlns:p14="http://schemas.microsoft.com/office/powerpoint/2010/main" val="605630845"/>
+        <p14:creationId xmlns:p14="http://schemas.microsoft.com/office/powerpoint/2010/main" val="2553943928"/>
       </p:ext>
     </p:extLst>
   </p:cSld>
@@ -1120,8 +1120,8 @@
         </p:nvSpPr>
         <p:spPr>
           <a:xfrm>
-            <a:off x="956946" y="2779008"/>
-            <a:ext cx="5915661" cy="6623703"/>
+            <a:off x="2103795" y="5270647"/>
+            <a:ext cx="13005276" cy="12562474"/>
           </a:xfrm>
         </p:spPr>
         <p:txBody>
@@ -1177,8 +1177,8 @@
         </p:nvSpPr>
         <p:spPr>
           <a:xfrm>
-            <a:off x="7046595" y="2779008"/>
-            <a:ext cx="5915661" cy="6623703"/>
+            <a:off x="15491579" y="5270647"/>
+            <a:ext cx="13005276" cy="12562474"/>
           </a:xfrm>
         </p:spPr>
         <p:txBody>
@@ -1290,7 +1290,7 @@
     </p:spTree>
     <p:extLst>
       <p:ext uri="{BB962C8B-B14F-4D97-AF65-F5344CB8AC3E}">
-        <p14:creationId xmlns:p14="http://schemas.microsoft.com/office/powerpoint/2010/main" val="341934184"/>
+        <p14:creationId xmlns:p14="http://schemas.microsoft.com/office/powerpoint/2010/main" val="324064046"/>
       </p:ext>
     </p:extLst>
   </p:cSld>
@@ -1329,8 +1329,8 @@
         </p:nvSpPr>
         <p:spPr>
           <a:xfrm>
-            <a:off x="958758" y="555805"/>
-            <a:ext cx="12005310" cy="2017801"/>
+            <a:off x="2107780" y="1054134"/>
+            <a:ext cx="26393061" cy="3826949"/>
           </a:xfrm>
         </p:spPr>
         <p:txBody>
@@ -1357,8 +1357,8 @@
         </p:nvSpPr>
         <p:spPr>
           <a:xfrm>
-            <a:off x="958760" y="2559105"/>
-            <a:ext cx="5888473" cy="1254177"/>
+            <a:off x="2107784" y="4853580"/>
+            <a:ext cx="12945507" cy="2378664"/>
           </a:xfrm>
         </p:spPr>
         <p:txBody>
@@ -1366,39 +1366,39 @@
           <a:lstStyle>
             <a:lvl1pPr marL="0" indent="0">
               <a:buNone/>
-              <a:defRPr sz="3653" b="1"/>
+              <a:defRPr sz="6929" b="1"/>
             </a:lvl1pPr>
-            <a:lvl2pPr marL="695976" indent="0">
-              <a:buNone/>
-              <a:defRPr sz="3045" b="1"/>
+            <a:lvl2pPr marL="1319936" indent="0">
+              <a:buNone/>
+              <a:defRPr sz="5774" b="1"/>
             </a:lvl2pPr>
-            <a:lvl3pPr marL="1391953" indent="0">
-              <a:buNone/>
-              <a:defRPr sz="2741" b="1"/>
+            <a:lvl3pPr marL="2639873" indent="0">
+              <a:buNone/>
+              <a:defRPr sz="5197" b="1"/>
             </a:lvl3pPr>
-            <a:lvl4pPr marL="2087929" indent="0">
-              <a:buNone/>
-              <a:defRPr sz="2437" b="1"/>
+            <a:lvl4pPr marL="3959809" indent="0">
+              <a:buNone/>
+              <a:defRPr sz="4619" b="1"/>
             </a:lvl4pPr>
-            <a:lvl5pPr marL="2783903" indent="0">
-              <a:buNone/>
-              <a:defRPr sz="2437" b="1"/>
+            <a:lvl5pPr marL="5279746" indent="0">
+              <a:buNone/>
+              <a:defRPr sz="4619" b="1"/>
             </a:lvl5pPr>
-            <a:lvl6pPr marL="3479879" indent="0">
-              <a:buNone/>
-              <a:defRPr sz="2437" b="1"/>
+            <a:lvl6pPr marL="6599682" indent="0">
+              <a:buNone/>
+              <a:defRPr sz="4619" b="1"/>
             </a:lvl6pPr>
-            <a:lvl7pPr marL="4175856" indent="0">
-              <a:buNone/>
-              <a:defRPr sz="2437" b="1"/>
+            <a:lvl7pPr marL="7919618" indent="0">
+              <a:buNone/>
+              <a:defRPr sz="4619" b="1"/>
             </a:lvl7pPr>
-            <a:lvl8pPr marL="4871832" indent="0">
-              <a:buNone/>
-              <a:defRPr sz="2437" b="1"/>
+            <a:lvl8pPr marL="9239555" indent="0">
+              <a:buNone/>
+              <a:defRPr sz="4619" b="1"/>
             </a:lvl8pPr>
-            <a:lvl9pPr marL="5567808" indent="0">
-              <a:buNone/>
-              <a:defRPr sz="2437" b="1"/>
+            <a:lvl9pPr marL="10559491" indent="0">
+              <a:buNone/>
+              <a:defRPr sz="4619" b="1"/>
             </a:lvl9pPr>
           </a:lstStyle>
           <a:p>
@@ -1422,8 +1422,8 @@
         </p:nvSpPr>
         <p:spPr>
           <a:xfrm>
-            <a:off x="958760" y="3813282"/>
-            <a:ext cx="5888473" cy="5608762"/>
+            <a:off x="2107784" y="7232244"/>
+            <a:ext cx="12945507" cy="10637542"/>
           </a:xfrm>
         </p:spPr>
         <p:txBody>
@@ -1479,8 +1479,8 @@
         </p:nvSpPr>
         <p:spPr>
           <a:xfrm>
-            <a:off x="7046597" y="2559105"/>
-            <a:ext cx="5917473" cy="1254177"/>
+            <a:off x="15491581" y="4853580"/>
+            <a:ext cx="13009262" cy="2378664"/>
           </a:xfrm>
         </p:spPr>
         <p:txBody>
@@ -1488,39 +1488,39 @@
           <a:lstStyle>
             <a:lvl1pPr marL="0" indent="0">
               <a:buNone/>
-              <a:defRPr sz="3653" b="1"/>
+              <a:defRPr sz="6929" b="1"/>
             </a:lvl1pPr>
-            <a:lvl2pPr marL="695976" indent="0">
-              <a:buNone/>
-              <a:defRPr sz="3045" b="1"/>
+            <a:lvl2pPr marL="1319936" indent="0">
+              <a:buNone/>
+              <a:defRPr sz="5774" b="1"/>
             </a:lvl2pPr>
-            <a:lvl3pPr marL="1391953" indent="0">
-              <a:buNone/>
-              <a:defRPr sz="2741" b="1"/>
+            <a:lvl3pPr marL="2639873" indent="0">
+              <a:buNone/>
+              <a:defRPr sz="5197" b="1"/>
             </a:lvl3pPr>
-            <a:lvl4pPr marL="2087929" indent="0">
-              <a:buNone/>
-              <a:defRPr sz="2437" b="1"/>
+            <a:lvl4pPr marL="3959809" indent="0">
+              <a:buNone/>
+              <a:defRPr sz="4619" b="1"/>
             </a:lvl4pPr>
-            <a:lvl5pPr marL="2783903" indent="0">
-              <a:buNone/>
-              <a:defRPr sz="2437" b="1"/>
+            <a:lvl5pPr marL="5279746" indent="0">
+              <a:buNone/>
+              <a:defRPr sz="4619" b="1"/>
             </a:lvl5pPr>
-            <a:lvl6pPr marL="3479879" indent="0">
-              <a:buNone/>
-              <a:defRPr sz="2437" b="1"/>
+            <a:lvl6pPr marL="6599682" indent="0">
+              <a:buNone/>
+              <a:defRPr sz="4619" b="1"/>
             </a:lvl6pPr>
-            <a:lvl7pPr marL="4175856" indent="0">
-              <a:buNone/>
-              <a:defRPr sz="2437" b="1"/>
+            <a:lvl7pPr marL="7919618" indent="0">
+              <a:buNone/>
+              <a:defRPr sz="4619" b="1"/>
             </a:lvl7pPr>
-            <a:lvl8pPr marL="4871832" indent="0">
-              <a:buNone/>
-              <a:defRPr sz="2437" b="1"/>
+            <a:lvl8pPr marL="9239555" indent="0">
+              <a:buNone/>
+              <a:defRPr sz="4619" b="1"/>
             </a:lvl8pPr>
-            <a:lvl9pPr marL="5567808" indent="0">
-              <a:buNone/>
-              <a:defRPr sz="2437" b="1"/>
+            <a:lvl9pPr marL="10559491" indent="0">
+              <a:buNone/>
+              <a:defRPr sz="4619" b="1"/>
             </a:lvl9pPr>
           </a:lstStyle>
           <a:p>
@@ -1544,8 +1544,8 @@
         </p:nvSpPr>
         <p:spPr>
           <a:xfrm>
-            <a:off x="7046597" y="3813282"/>
-            <a:ext cx="5917473" cy="5608762"/>
+            <a:off x="15491581" y="7232244"/>
+            <a:ext cx="13009262" cy="10637542"/>
           </a:xfrm>
         </p:spPr>
         <p:txBody>
@@ -1657,7 +1657,7 @@
     </p:spTree>
     <p:extLst>
       <p:ext uri="{BB962C8B-B14F-4D97-AF65-F5344CB8AC3E}">
-        <p14:creationId xmlns:p14="http://schemas.microsoft.com/office/powerpoint/2010/main" val="3407622063"/>
+        <p14:creationId xmlns:p14="http://schemas.microsoft.com/office/powerpoint/2010/main" val="2464206962"/>
       </p:ext>
     </p:extLst>
   </p:cSld>
@@ -1775,7 +1775,7 @@
     </p:spTree>
     <p:extLst>
       <p:ext uri="{BB962C8B-B14F-4D97-AF65-F5344CB8AC3E}">
-        <p14:creationId xmlns:p14="http://schemas.microsoft.com/office/powerpoint/2010/main" val="409908320"/>
+        <p14:creationId xmlns:p14="http://schemas.microsoft.com/office/powerpoint/2010/main" val="1948562718"/>
       </p:ext>
     </p:extLst>
   </p:cSld>
@@ -1870,7 +1870,7 @@
     </p:spTree>
     <p:extLst>
       <p:ext uri="{BB962C8B-B14F-4D97-AF65-F5344CB8AC3E}">
-        <p14:creationId xmlns:p14="http://schemas.microsoft.com/office/powerpoint/2010/main" val="1751301862"/>
+        <p14:creationId xmlns:p14="http://schemas.microsoft.com/office/powerpoint/2010/main" val="3324964261"/>
       </p:ext>
     </p:extLst>
   </p:cSld>
@@ -1909,15 +1909,15 @@
         </p:nvSpPr>
         <p:spPr>
           <a:xfrm>
-            <a:off x="958758" y="695960"/>
-            <a:ext cx="4489304" cy="2435861"/>
+            <a:off x="2107780" y="1319953"/>
+            <a:ext cx="9869506" cy="4619837"/>
           </a:xfrm>
         </p:spPr>
         <p:txBody>
           <a:bodyPr anchor="b"/>
           <a:lstStyle>
             <a:lvl1pPr>
-              <a:defRPr sz="4871"/>
+              <a:defRPr sz="9238"/>
             </a:lvl1pPr>
           </a:lstStyle>
           <a:p>
@@ -1941,39 +1941,39 @@
         </p:nvSpPr>
         <p:spPr>
           <a:xfrm>
-            <a:off x="5917474" y="1503082"/>
-            <a:ext cx="7046595" cy="7418741"/>
+            <a:off x="13009262" y="2850737"/>
+            <a:ext cx="15491579" cy="14070336"/>
           </a:xfrm>
         </p:spPr>
         <p:txBody>
           <a:bodyPr/>
           <a:lstStyle>
             <a:lvl1pPr>
-              <a:defRPr sz="4871"/>
+              <a:defRPr sz="9238"/>
             </a:lvl1pPr>
             <a:lvl2pPr>
-              <a:defRPr sz="4262"/>
+              <a:defRPr sz="8084"/>
             </a:lvl2pPr>
             <a:lvl3pPr>
-              <a:defRPr sz="3653"/>
+              <a:defRPr sz="6929"/>
             </a:lvl3pPr>
             <a:lvl4pPr>
-              <a:defRPr sz="3045"/>
+              <a:defRPr sz="5774"/>
             </a:lvl4pPr>
             <a:lvl5pPr>
-              <a:defRPr sz="3045"/>
+              <a:defRPr sz="5774"/>
             </a:lvl5pPr>
             <a:lvl6pPr>
-              <a:defRPr sz="3045"/>
+              <a:defRPr sz="5774"/>
             </a:lvl6pPr>
             <a:lvl7pPr>
-              <a:defRPr sz="3045"/>
+              <a:defRPr sz="5774"/>
             </a:lvl7pPr>
             <a:lvl8pPr>
-              <a:defRPr sz="3045"/>
+              <a:defRPr sz="5774"/>
             </a:lvl8pPr>
             <a:lvl9pPr>
-              <a:defRPr sz="3045"/>
+              <a:defRPr sz="5774"/>
             </a:lvl9pPr>
           </a:lstStyle>
           <a:p>
@@ -2026,8 +2026,8 @@
         </p:nvSpPr>
         <p:spPr>
           <a:xfrm>
-            <a:off x="958758" y="3131819"/>
-            <a:ext cx="4489304" cy="5802085"/>
+            <a:off x="2107780" y="5939790"/>
+            <a:ext cx="9869506" cy="11004196"/>
           </a:xfrm>
         </p:spPr>
         <p:txBody>
@@ -2035,39 +2035,39 @@
           <a:lstStyle>
             <a:lvl1pPr marL="0" indent="0">
               <a:buNone/>
-              <a:defRPr sz="2437"/>
+              <a:defRPr sz="4619"/>
             </a:lvl1pPr>
-            <a:lvl2pPr marL="695976" indent="0">
-              <a:buNone/>
-              <a:defRPr sz="2132"/>
+            <a:lvl2pPr marL="1319936" indent="0">
+              <a:buNone/>
+              <a:defRPr sz="4042"/>
             </a:lvl2pPr>
-            <a:lvl3pPr marL="1391953" indent="0">
-              <a:buNone/>
-              <a:defRPr sz="1827"/>
+            <a:lvl3pPr marL="2639873" indent="0">
+              <a:buNone/>
+              <a:defRPr sz="3464"/>
             </a:lvl3pPr>
-            <a:lvl4pPr marL="2087929" indent="0">
-              <a:buNone/>
-              <a:defRPr sz="1522"/>
+            <a:lvl4pPr marL="3959809" indent="0">
+              <a:buNone/>
+              <a:defRPr sz="2887"/>
             </a:lvl4pPr>
-            <a:lvl5pPr marL="2783903" indent="0">
-              <a:buNone/>
-              <a:defRPr sz="1522"/>
+            <a:lvl5pPr marL="5279746" indent="0">
+              <a:buNone/>
+              <a:defRPr sz="2887"/>
             </a:lvl5pPr>
-            <a:lvl6pPr marL="3479879" indent="0">
-              <a:buNone/>
-              <a:defRPr sz="1522"/>
+            <a:lvl6pPr marL="6599682" indent="0">
+              <a:buNone/>
+              <a:defRPr sz="2887"/>
             </a:lvl6pPr>
-            <a:lvl7pPr marL="4175856" indent="0">
-              <a:buNone/>
-              <a:defRPr sz="1522"/>
+            <a:lvl7pPr marL="7919618" indent="0">
+              <a:buNone/>
+              <a:defRPr sz="2887"/>
             </a:lvl7pPr>
-            <a:lvl8pPr marL="4871832" indent="0">
-              <a:buNone/>
-              <a:defRPr sz="1522"/>
+            <a:lvl8pPr marL="9239555" indent="0">
+              <a:buNone/>
+              <a:defRPr sz="2887"/>
             </a:lvl8pPr>
-            <a:lvl9pPr marL="5567808" indent="0">
-              <a:buNone/>
-              <a:defRPr sz="1522"/>
+            <a:lvl9pPr marL="10559491" indent="0">
+              <a:buNone/>
+              <a:defRPr sz="2887"/>
             </a:lvl9pPr>
           </a:lstStyle>
           <a:p>
@@ -2147,7 +2147,7 @@
     </p:spTree>
     <p:extLst>
       <p:ext uri="{BB962C8B-B14F-4D97-AF65-F5344CB8AC3E}">
-        <p14:creationId xmlns:p14="http://schemas.microsoft.com/office/powerpoint/2010/main" val="1329639221"/>
+        <p14:creationId xmlns:p14="http://schemas.microsoft.com/office/powerpoint/2010/main" val="2667124660"/>
       </p:ext>
     </p:extLst>
   </p:cSld>
@@ -2186,15 +2186,15 @@
         </p:nvSpPr>
         <p:spPr>
           <a:xfrm>
-            <a:off x="958758" y="695960"/>
-            <a:ext cx="4489304" cy="2435861"/>
+            <a:off x="2107780" y="1319953"/>
+            <a:ext cx="9869506" cy="4619837"/>
           </a:xfrm>
         </p:spPr>
         <p:txBody>
           <a:bodyPr anchor="b"/>
           <a:lstStyle>
             <a:lvl1pPr>
-              <a:defRPr sz="4871"/>
+              <a:defRPr sz="9238"/>
             </a:lvl1pPr>
           </a:lstStyle>
           <a:p>
@@ -2218,8 +2218,8 @@
         </p:nvSpPr>
         <p:spPr>
           <a:xfrm>
-            <a:off x="5917474" y="1503082"/>
-            <a:ext cx="7046595" cy="7418741"/>
+            <a:off x="13009262" y="2850737"/>
+            <a:ext cx="15491579" cy="14070336"/>
           </a:xfrm>
         </p:spPr>
         <p:txBody>
@@ -2227,39 +2227,39 @@
           <a:lstStyle>
             <a:lvl1pPr marL="0" indent="0">
               <a:buNone/>
-              <a:defRPr sz="4871"/>
+              <a:defRPr sz="9238"/>
             </a:lvl1pPr>
-            <a:lvl2pPr marL="695976" indent="0">
-              <a:buNone/>
-              <a:defRPr sz="4262"/>
+            <a:lvl2pPr marL="1319936" indent="0">
+              <a:buNone/>
+              <a:defRPr sz="8084"/>
             </a:lvl2pPr>
-            <a:lvl3pPr marL="1391953" indent="0">
-              <a:buNone/>
-              <a:defRPr sz="3653"/>
+            <a:lvl3pPr marL="2639873" indent="0">
+              <a:buNone/>
+              <a:defRPr sz="6929"/>
             </a:lvl3pPr>
-            <a:lvl4pPr marL="2087929" indent="0">
-              <a:buNone/>
-              <a:defRPr sz="3045"/>
+            <a:lvl4pPr marL="3959809" indent="0">
+              <a:buNone/>
+              <a:defRPr sz="5774"/>
             </a:lvl4pPr>
-            <a:lvl5pPr marL="2783903" indent="0">
-              <a:buNone/>
-              <a:defRPr sz="3045"/>
+            <a:lvl5pPr marL="5279746" indent="0">
+              <a:buNone/>
+              <a:defRPr sz="5774"/>
             </a:lvl5pPr>
-            <a:lvl6pPr marL="3479879" indent="0">
-              <a:buNone/>
-              <a:defRPr sz="3045"/>
+            <a:lvl6pPr marL="6599682" indent="0">
+              <a:buNone/>
+              <a:defRPr sz="5774"/>
             </a:lvl6pPr>
-            <a:lvl7pPr marL="4175856" indent="0">
-              <a:buNone/>
-              <a:defRPr sz="3045"/>
+            <a:lvl7pPr marL="7919618" indent="0">
+              <a:buNone/>
+              <a:defRPr sz="5774"/>
             </a:lvl7pPr>
-            <a:lvl8pPr marL="4871832" indent="0">
-              <a:buNone/>
-              <a:defRPr sz="3045"/>
+            <a:lvl8pPr marL="9239555" indent="0">
+              <a:buNone/>
+              <a:defRPr sz="5774"/>
             </a:lvl8pPr>
-            <a:lvl9pPr marL="5567808" indent="0">
-              <a:buNone/>
-              <a:defRPr sz="3045"/>
+            <a:lvl9pPr marL="10559491" indent="0">
+              <a:buNone/>
+              <a:defRPr sz="5774"/>
             </a:lvl9pPr>
           </a:lstStyle>
           <a:p>
@@ -2283,8 +2283,8 @@
         </p:nvSpPr>
         <p:spPr>
           <a:xfrm>
-            <a:off x="958758" y="3131819"/>
-            <a:ext cx="4489304" cy="5802085"/>
+            <a:off x="2107780" y="5939790"/>
+            <a:ext cx="9869506" cy="11004196"/>
           </a:xfrm>
         </p:spPr>
         <p:txBody>
@@ -2292,39 +2292,39 @@
           <a:lstStyle>
             <a:lvl1pPr marL="0" indent="0">
               <a:buNone/>
-              <a:defRPr sz="2437"/>
+              <a:defRPr sz="4619"/>
             </a:lvl1pPr>
-            <a:lvl2pPr marL="695976" indent="0">
-              <a:buNone/>
-              <a:defRPr sz="2132"/>
+            <a:lvl2pPr marL="1319936" indent="0">
+              <a:buNone/>
+              <a:defRPr sz="4042"/>
             </a:lvl2pPr>
-            <a:lvl3pPr marL="1391953" indent="0">
-              <a:buNone/>
-              <a:defRPr sz="1827"/>
+            <a:lvl3pPr marL="2639873" indent="0">
+              <a:buNone/>
+              <a:defRPr sz="3464"/>
             </a:lvl3pPr>
-            <a:lvl4pPr marL="2087929" indent="0">
-              <a:buNone/>
-              <a:defRPr sz="1522"/>
+            <a:lvl4pPr marL="3959809" indent="0">
+              <a:buNone/>
+              <a:defRPr sz="2887"/>
             </a:lvl4pPr>
-            <a:lvl5pPr marL="2783903" indent="0">
-              <a:buNone/>
-              <a:defRPr sz="1522"/>
+            <a:lvl5pPr marL="5279746" indent="0">
+              <a:buNone/>
+              <a:defRPr sz="2887"/>
             </a:lvl5pPr>
-            <a:lvl6pPr marL="3479879" indent="0">
-              <a:buNone/>
-              <a:defRPr sz="1522"/>
+            <a:lvl6pPr marL="6599682" indent="0">
+              <a:buNone/>
+              <a:defRPr sz="2887"/>
             </a:lvl6pPr>
-            <a:lvl7pPr marL="4175856" indent="0">
-              <a:buNone/>
-              <a:defRPr sz="1522"/>
+            <a:lvl7pPr marL="7919618" indent="0">
+              <a:buNone/>
+              <a:defRPr sz="2887"/>
             </a:lvl7pPr>
-            <a:lvl8pPr marL="4871832" indent="0">
-              <a:buNone/>
-              <a:defRPr sz="1522"/>
+            <a:lvl8pPr marL="9239555" indent="0">
+              <a:buNone/>
+              <a:defRPr sz="2887"/>
             </a:lvl8pPr>
-            <a:lvl9pPr marL="5567808" indent="0">
-              <a:buNone/>
-              <a:defRPr sz="1522"/>
+            <a:lvl9pPr marL="10559491" indent="0">
+              <a:buNone/>
+              <a:defRPr sz="2887"/>
             </a:lvl9pPr>
           </a:lstStyle>
           <a:p>
@@ -2404,7 +2404,7 @@
     </p:spTree>
     <p:extLst>
       <p:ext uri="{BB962C8B-B14F-4D97-AF65-F5344CB8AC3E}">
-        <p14:creationId xmlns:p14="http://schemas.microsoft.com/office/powerpoint/2010/main" val="220158131"/>
+        <p14:creationId xmlns:p14="http://schemas.microsoft.com/office/powerpoint/2010/main" val="2555955389"/>
       </p:ext>
     </p:extLst>
   </p:cSld>
@@ -2448,8 +2448,8 @@
         </p:nvSpPr>
         <p:spPr>
           <a:xfrm>
-            <a:off x="956945" y="555805"/>
-            <a:ext cx="12005310" cy="2017801"/>
+            <a:off x="2103795" y="1054134"/>
+            <a:ext cx="26393061" cy="3826949"/>
           </a:xfrm>
           <a:prstGeom prst="rect">
             <a:avLst/>
@@ -2481,8 +2481,8 @@
         </p:nvSpPr>
         <p:spPr>
           <a:xfrm>
-            <a:off x="956945" y="2779008"/>
-            <a:ext cx="12005310" cy="6623703"/>
+            <a:off x="2103795" y="5270647"/>
+            <a:ext cx="26393061" cy="12562474"/>
           </a:xfrm>
           <a:prstGeom prst="rect">
             <a:avLst/>
@@ -2543,8 +2543,8 @@
         </p:nvSpPr>
         <p:spPr>
           <a:xfrm>
-            <a:off x="956946" y="9675781"/>
-            <a:ext cx="3131821" cy="555801"/>
+            <a:off x="2103795" y="18351022"/>
+            <a:ext cx="6885146" cy="1054129"/>
           </a:xfrm>
           <a:prstGeom prst="rect">
             <a:avLst/>
@@ -2554,7 +2554,7 @@
           <a:bodyPr vert="horz" lIns="91440" tIns="45720" rIns="91440" bIns="45720" rtlCol="0" anchor="ctr"/>
           <a:lstStyle>
             <a:lvl1pPr algn="l">
-              <a:defRPr sz="1827">
+              <a:defRPr sz="3464">
                 <a:solidFill>
                   <a:schemeClr val="tx1">
                     <a:tint val="75000"/>
@@ -2584,8 +2584,8 @@
         </p:nvSpPr>
         <p:spPr>
           <a:xfrm>
-            <a:off x="4610735" y="9675781"/>
-            <a:ext cx="4697730" cy="555801"/>
+            <a:off x="10136466" y="18351022"/>
+            <a:ext cx="10327719" cy="1054129"/>
           </a:xfrm>
           <a:prstGeom prst="rect">
             <a:avLst/>
@@ -2595,7 +2595,7 @@
           <a:bodyPr vert="horz" lIns="91440" tIns="45720" rIns="91440" bIns="45720" rtlCol="0" anchor="ctr"/>
           <a:lstStyle>
             <a:lvl1pPr algn="ctr">
-              <a:defRPr sz="1827">
+              <a:defRPr sz="3464">
                 <a:solidFill>
                   <a:schemeClr val="tx1">
                     <a:tint val="75000"/>
@@ -2621,8 +2621,8 @@
         </p:nvSpPr>
         <p:spPr>
           <a:xfrm>
-            <a:off x="9830435" y="9675781"/>
-            <a:ext cx="3131821" cy="555801"/>
+            <a:off x="21611709" y="18351022"/>
+            <a:ext cx="6885146" cy="1054129"/>
           </a:xfrm>
           <a:prstGeom prst="rect">
             <a:avLst/>
@@ -2632,7 +2632,7 @@
           <a:bodyPr vert="horz" lIns="91440" tIns="45720" rIns="91440" bIns="45720" rtlCol="0" anchor="ctr"/>
           <a:lstStyle>
             <a:lvl1pPr algn="r">
-              <a:defRPr sz="1827">
+              <a:defRPr sz="3464">
                 <a:solidFill>
                   <a:schemeClr val="tx1">
                     <a:tint val="75000"/>
@@ -2653,27 +2653,27 @@
     </p:spTree>
     <p:extLst>
       <p:ext uri="{BB962C8B-B14F-4D97-AF65-F5344CB8AC3E}">
-        <p14:creationId xmlns:p14="http://schemas.microsoft.com/office/powerpoint/2010/main" val="878178830"/>
+        <p14:creationId xmlns:p14="http://schemas.microsoft.com/office/powerpoint/2010/main" val="552769555"/>
       </p:ext>
     </p:extLst>
   </p:cSld>
   <p:clrMap bg1="lt1" tx1="dk1" bg2="lt2" tx2="dk2" accent1="accent1" accent2="accent2" accent3="accent3" accent4="accent4" accent5="accent5" accent6="accent6" hlink="hlink" folHlink="folHlink"/>
   <p:sldLayoutIdLst>
-    <p:sldLayoutId id="2147483697" r:id="rId1"/>
-    <p:sldLayoutId id="2147483698" r:id="rId2"/>
-    <p:sldLayoutId id="2147483699" r:id="rId3"/>
-    <p:sldLayoutId id="2147483700" r:id="rId4"/>
-    <p:sldLayoutId id="2147483701" r:id="rId5"/>
-    <p:sldLayoutId id="2147483702" r:id="rId6"/>
-    <p:sldLayoutId id="2147483703" r:id="rId7"/>
-    <p:sldLayoutId id="2147483704" r:id="rId8"/>
-    <p:sldLayoutId id="2147483705" r:id="rId9"/>
-    <p:sldLayoutId id="2147483706" r:id="rId10"/>
-    <p:sldLayoutId id="2147483707" r:id="rId11"/>
+    <p:sldLayoutId id="2147483709" r:id="rId1"/>
+    <p:sldLayoutId id="2147483710" r:id="rId2"/>
+    <p:sldLayoutId id="2147483711" r:id="rId3"/>
+    <p:sldLayoutId id="2147483712" r:id="rId4"/>
+    <p:sldLayoutId id="2147483713" r:id="rId5"/>
+    <p:sldLayoutId id="2147483714" r:id="rId6"/>
+    <p:sldLayoutId id="2147483715" r:id="rId7"/>
+    <p:sldLayoutId id="2147483716" r:id="rId8"/>
+    <p:sldLayoutId id="2147483717" r:id="rId9"/>
+    <p:sldLayoutId id="2147483718" r:id="rId10"/>
+    <p:sldLayoutId id="2147483719" r:id="rId11"/>
   </p:sldLayoutIdLst>
   <p:txStyles>
     <p:titleStyle>
-      <a:lvl1pPr algn="l" defTabSz="1391953" rtl="0" eaLnBrk="1" latinLnBrk="0" hangingPunct="1">
+      <a:lvl1pPr algn="l" defTabSz="2639873" rtl="0" eaLnBrk="1" latinLnBrk="0" hangingPunct="1">
         <a:lnSpc>
           <a:spcPct val="90000"/>
         </a:lnSpc>
@@ -2681,7 +2681,7 @@
           <a:spcPct val="0"/>
         </a:spcBef>
         <a:buNone/>
-        <a:defRPr sz="6699" kern="1200">
+        <a:defRPr sz="12703" kern="1200">
           <a:solidFill>
             <a:schemeClr val="tx1"/>
           </a:solidFill>
@@ -2692,16 +2692,16 @@
       </a:lvl1pPr>
     </p:titleStyle>
     <p:bodyStyle>
-      <a:lvl1pPr marL="347988" indent="-347988" algn="l" defTabSz="1391953" rtl="0" eaLnBrk="1" latinLnBrk="0" hangingPunct="1">
+      <a:lvl1pPr marL="659968" indent="-659968" algn="l" defTabSz="2639873" rtl="0" eaLnBrk="1" latinLnBrk="0" hangingPunct="1">
         <a:lnSpc>
           <a:spcPct val="90000"/>
         </a:lnSpc>
         <a:spcBef>
-          <a:spcPts val="1522"/>
+          <a:spcPts val="2887"/>
         </a:spcBef>
         <a:buFont typeface="Arial" panose="020B0604020202020204" pitchFamily="34" charset="0"/>
         <a:buChar char="•"/>
-        <a:defRPr sz="4262" kern="1200">
+        <a:defRPr sz="8084" kern="1200">
           <a:solidFill>
             <a:schemeClr val="tx1"/>
           </a:solidFill>
@@ -2710,16 +2710,16 @@
           <a:cs typeface="+mn-cs"/>
         </a:defRPr>
       </a:lvl1pPr>
-      <a:lvl2pPr marL="1043964" indent="-347988" algn="l" defTabSz="1391953" rtl="0" eaLnBrk="1" latinLnBrk="0" hangingPunct="1">
+      <a:lvl2pPr marL="1979905" indent="-659968" algn="l" defTabSz="2639873" rtl="0" eaLnBrk="1" latinLnBrk="0" hangingPunct="1">
         <a:lnSpc>
           <a:spcPct val="90000"/>
         </a:lnSpc>
         <a:spcBef>
-          <a:spcPts val="761"/>
+          <a:spcPts val="1444"/>
         </a:spcBef>
         <a:buFont typeface="Arial" panose="020B0604020202020204" pitchFamily="34" charset="0"/>
         <a:buChar char="•"/>
-        <a:defRPr sz="3653" kern="1200">
+        <a:defRPr sz="6929" kern="1200">
           <a:solidFill>
             <a:schemeClr val="tx1"/>
           </a:solidFill>
@@ -2728,16 +2728,16 @@
           <a:cs typeface="+mn-cs"/>
         </a:defRPr>
       </a:lvl2pPr>
-      <a:lvl3pPr marL="1739941" indent="-347988" algn="l" defTabSz="1391953" rtl="0" eaLnBrk="1" latinLnBrk="0" hangingPunct="1">
+      <a:lvl3pPr marL="3299841" indent="-659968" algn="l" defTabSz="2639873" rtl="0" eaLnBrk="1" latinLnBrk="0" hangingPunct="1">
         <a:lnSpc>
           <a:spcPct val="90000"/>
         </a:lnSpc>
         <a:spcBef>
-          <a:spcPts val="761"/>
+          <a:spcPts val="1444"/>
         </a:spcBef>
         <a:buFont typeface="Arial" panose="020B0604020202020204" pitchFamily="34" charset="0"/>
         <a:buChar char="•"/>
-        <a:defRPr sz="3045" kern="1200">
+        <a:defRPr sz="5774" kern="1200">
           <a:solidFill>
             <a:schemeClr val="tx1"/>
           </a:solidFill>
@@ -2746,16 +2746,16 @@
           <a:cs typeface="+mn-cs"/>
         </a:defRPr>
       </a:lvl3pPr>
-      <a:lvl4pPr marL="2435915" indent="-347988" algn="l" defTabSz="1391953" rtl="0" eaLnBrk="1" latinLnBrk="0" hangingPunct="1">
+      <a:lvl4pPr marL="4619777" indent="-659968" algn="l" defTabSz="2639873" rtl="0" eaLnBrk="1" latinLnBrk="0" hangingPunct="1">
         <a:lnSpc>
           <a:spcPct val="90000"/>
         </a:lnSpc>
         <a:spcBef>
-          <a:spcPts val="761"/>
+          <a:spcPts val="1444"/>
         </a:spcBef>
         <a:buFont typeface="Arial" panose="020B0604020202020204" pitchFamily="34" charset="0"/>
         <a:buChar char="•"/>
-        <a:defRPr sz="2741" kern="1200">
+        <a:defRPr sz="5197" kern="1200">
           <a:solidFill>
             <a:schemeClr val="tx1"/>
           </a:solidFill>
@@ -2764,16 +2764,16 @@
           <a:cs typeface="+mn-cs"/>
         </a:defRPr>
       </a:lvl4pPr>
-      <a:lvl5pPr marL="3131891" indent="-347988" algn="l" defTabSz="1391953" rtl="0" eaLnBrk="1" latinLnBrk="0" hangingPunct="1">
+      <a:lvl5pPr marL="5939714" indent="-659968" algn="l" defTabSz="2639873" rtl="0" eaLnBrk="1" latinLnBrk="0" hangingPunct="1">
         <a:lnSpc>
           <a:spcPct val="90000"/>
         </a:lnSpc>
         <a:spcBef>
-          <a:spcPts val="761"/>
+          <a:spcPts val="1444"/>
         </a:spcBef>
         <a:buFont typeface="Arial" panose="020B0604020202020204" pitchFamily="34" charset="0"/>
         <a:buChar char="•"/>
-        <a:defRPr sz="2741" kern="1200">
+        <a:defRPr sz="5197" kern="1200">
           <a:solidFill>
             <a:schemeClr val="tx1"/>
           </a:solidFill>
@@ -2782,16 +2782,16 @@
           <a:cs typeface="+mn-cs"/>
         </a:defRPr>
       </a:lvl5pPr>
-      <a:lvl6pPr marL="3827868" indent="-347988" algn="l" defTabSz="1391953" rtl="0" eaLnBrk="1" latinLnBrk="0" hangingPunct="1">
+      <a:lvl6pPr marL="7259650" indent="-659968" algn="l" defTabSz="2639873" rtl="0" eaLnBrk="1" latinLnBrk="0" hangingPunct="1">
         <a:lnSpc>
           <a:spcPct val="90000"/>
         </a:lnSpc>
         <a:spcBef>
-          <a:spcPts val="761"/>
+          <a:spcPts val="1444"/>
         </a:spcBef>
         <a:buFont typeface="Arial" panose="020B0604020202020204" pitchFamily="34" charset="0"/>
         <a:buChar char="•"/>
-        <a:defRPr sz="2741" kern="1200">
+        <a:defRPr sz="5197" kern="1200">
           <a:solidFill>
             <a:schemeClr val="tx1"/>
           </a:solidFill>
@@ -2800,16 +2800,16 @@
           <a:cs typeface="+mn-cs"/>
         </a:defRPr>
       </a:lvl6pPr>
-      <a:lvl7pPr marL="4523844" indent="-347988" algn="l" defTabSz="1391953" rtl="0" eaLnBrk="1" latinLnBrk="0" hangingPunct="1">
+      <a:lvl7pPr marL="8579587" indent="-659968" algn="l" defTabSz="2639873" rtl="0" eaLnBrk="1" latinLnBrk="0" hangingPunct="1">
         <a:lnSpc>
           <a:spcPct val="90000"/>
         </a:lnSpc>
         <a:spcBef>
-          <a:spcPts val="761"/>
+          <a:spcPts val="1444"/>
         </a:spcBef>
         <a:buFont typeface="Arial" panose="020B0604020202020204" pitchFamily="34" charset="0"/>
         <a:buChar char="•"/>
-        <a:defRPr sz="2741" kern="1200">
+        <a:defRPr sz="5197" kern="1200">
           <a:solidFill>
             <a:schemeClr val="tx1"/>
           </a:solidFill>
@@ -2818,16 +2818,16 @@
           <a:cs typeface="+mn-cs"/>
         </a:defRPr>
       </a:lvl7pPr>
-      <a:lvl8pPr marL="5219820" indent="-347988" algn="l" defTabSz="1391953" rtl="0" eaLnBrk="1" latinLnBrk="0" hangingPunct="1">
+      <a:lvl8pPr marL="9899523" indent="-659968" algn="l" defTabSz="2639873" rtl="0" eaLnBrk="1" latinLnBrk="0" hangingPunct="1">
         <a:lnSpc>
           <a:spcPct val="90000"/>
         </a:lnSpc>
         <a:spcBef>
-          <a:spcPts val="761"/>
+          <a:spcPts val="1444"/>
         </a:spcBef>
         <a:buFont typeface="Arial" panose="020B0604020202020204" pitchFamily="34" charset="0"/>
         <a:buChar char="•"/>
-        <a:defRPr sz="2741" kern="1200">
+        <a:defRPr sz="5197" kern="1200">
           <a:solidFill>
             <a:schemeClr val="tx1"/>
           </a:solidFill>
@@ -2836,16 +2836,16 @@
           <a:cs typeface="+mn-cs"/>
         </a:defRPr>
       </a:lvl8pPr>
-      <a:lvl9pPr marL="5915796" indent="-347988" algn="l" defTabSz="1391953" rtl="0" eaLnBrk="1" latinLnBrk="0" hangingPunct="1">
+      <a:lvl9pPr marL="11219459" indent="-659968" algn="l" defTabSz="2639873" rtl="0" eaLnBrk="1" latinLnBrk="0" hangingPunct="1">
         <a:lnSpc>
           <a:spcPct val="90000"/>
         </a:lnSpc>
         <a:spcBef>
-          <a:spcPts val="761"/>
+          <a:spcPts val="1444"/>
         </a:spcBef>
         <a:buFont typeface="Arial" panose="020B0604020202020204" pitchFamily="34" charset="0"/>
         <a:buChar char="•"/>
-        <a:defRPr sz="2741" kern="1200">
+        <a:defRPr sz="5197" kern="1200">
           <a:solidFill>
             <a:schemeClr val="tx1"/>
           </a:solidFill>
@@ -2859,8 +2859,8 @@
       <a:defPPr>
         <a:defRPr lang="en-US"/>
       </a:defPPr>
-      <a:lvl1pPr marL="0" algn="l" defTabSz="1391953" rtl="0" eaLnBrk="1" latinLnBrk="0" hangingPunct="1">
-        <a:defRPr sz="2741" kern="1200">
+      <a:lvl1pPr marL="0" algn="l" defTabSz="2639873" rtl="0" eaLnBrk="1" latinLnBrk="0" hangingPunct="1">
+        <a:defRPr sz="5197" kern="1200">
           <a:solidFill>
             <a:schemeClr val="tx1"/>
           </a:solidFill>
@@ -2869,8 +2869,8 @@
           <a:cs typeface="+mn-cs"/>
         </a:defRPr>
       </a:lvl1pPr>
-      <a:lvl2pPr marL="695976" algn="l" defTabSz="1391953" rtl="0" eaLnBrk="1" latinLnBrk="0" hangingPunct="1">
-        <a:defRPr sz="2741" kern="1200">
+      <a:lvl2pPr marL="1319936" algn="l" defTabSz="2639873" rtl="0" eaLnBrk="1" latinLnBrk="0" hangingPunct="1">
+        <a:defRPr sz="5197" kern="1200">
           <a:solidFill>
             <a:schemeClr val="tx1"/>
           </a:solidFill>
@@ -2879,8 +2879,8 @@
           <a:cs typeface="+mn-cs"/>
         </a:defRPr>
       </a:lvl2pPr>
-      <a:lvl3pPr marL="1391953" algn="l" defTabSz="1391953" rtl="0" eaLnBrk="1" latinLnBrk="0" hangingPunct="1">
-        <a:defRPr sz="2741" kern="1200">
+      <a:lvl3pPr marL="2639873" algn="l" defTabSz="2639873" rtl="0" eaLnBrk="1" latinLnBrk="0" hangingPunct="1">
+        <a:defRPr sz="5197" kern="1200">
           <a:solidFill>
             <a:schemeClr val="tx1"/>
           </a:solidFill>
@@ -2889,8 +2889,8 @@
           <a:cs typeface="+mn-cs"/>
         </a:defRPr>
       </a:lvl3pPr>
-      <a:lvl4pPr marL="2087929" algn="l" defTabSz="1391953" rtl="0" eaLnBrk="1" latinLnBrk="0" hangingPunct="1">
-        <a:defRPr sz="2741" kern="1200">
+      <a:lvl4pPr marL="3959809" algn="l" defTabSz="2639873" rtl="0" eaLnBrk="1" latinLnBrk="0" hangingPunct="1">
+        <a:defRPr sz="5197" kern="1200">
           <a:solidFill>
             <a:schemeClr val="tx1"/>
           </a:solidFill>
@@ -2899,8 +2899,8 @@
           <a:cs typeface="+mn-cs"/>
         </a:defRPr>
       </a:lvl4pPr>
-      <a:lvl5pPr marL="2783903" algn="l" defTabSz="1391953" rtl="0" eaLnBrk="1" latinLnBrk="0" hangingPunct="1">
-        <a:defRPr sz="2741" kern="1200">
+      <a:lvl5pPr marL="5279746" algn="l" defTabSz="2639873" rtl="0" eaLnBrk="1" latinLnBrk="0" hangingPunct="1">
+        <a:defRPr sz="5197" kern="1200">
           <a:solidFill>
             <a:schemeClr val="tx1"/>
           </a:solidFill>
@@ -2909,8 +2909,8 @@
           <a:cs typeface="+mn-cs"/>
         </a:defRPr>
       </a:lvl5pPr>
-      <a:lvl6pPr marL="3479879" algn="l" defTabSz="1391953" rtl="0" eaLnBrk="1" latinLnBrk="0" hangingPunct="1">
-        <a:defRPr sz="2741" kern="1200">
+      <a:lvl6pPr marL="6599682" algn="l" defTabSz="2639873" rtl="0" eaLnBrk="1" latinLnBrk="0" hangingPunct="1">
+        <a:defRPr sz="5197" kern="1200">
           <a:solidFill>
             <a:schemeClr val="tx1"/>
           </a:solidFill>
@@ -2919,8 +2919,8 @@
           <a:cs typeface="+mn-cs"/>
         </a:defRPr>
       </a:lvl6pPr>
-      <a:lvl7pPr marL="4175856" algn="l" defTabSz="1391953" rtl="0" eaLnBrk="1" latinLnBrk="0" hangingPunct="1">
-        <a:defRPr sz="2741" kern="1200">
+      <a:lvl7pPr marL="7919618" algn="l" defTabSz="2639873" rtl="0" eaLnBrk="1" latinLnBrk="0" hangingPunct="1">
+        <a:defRPr sz="5197" kern="1200">
           <a:solidFill>
             <a:schemeClr val="tx1"/>
           </a:solidFill>
@@ -2929,8 +2929,8 @@
           <a:cs typeface="+mn-cs"/>
         </a:defRPr>
       </a:lvl7pPr>
-      <a:lvl8pPr marL="4871832" algn="l" defTabSz="1391953" rtl="0" eaLnBrk="1" latinLnBrk="0" hangingPunct="1">
-        <a:defRPr sz="2741" kern="1200">
+      <a:lvl8pPr marL="9239555" algn="l" defTabSz="2639873" rtl="0" eaLnBrk="1" latinLnBrk="0" hangingPunct="1">
+        <a:defRPr sz="5197" kern="1200">
           <a:solidFill>
             <a:schemeClr val="tx1"/>
           </a:solidFill>
@@ -2939,8 +2939,8 @@
           <a:cs typeface="+mn-cs"/>
         </a:defRPr>
       </a:lvl8pPr>
-      <a:lvl9pPr marL="5567808" algn="l" defTabSz="1391953" rtl="0" eaLnBrk="1" latinLnBrk="0" hangingPunct="1">
-        <a:defRPr sz="2741" kern="1200">
+      <a:lvl9pPr marL="10559491" algn="l" defTabSz="2639873" rtl="0" eaLnBrk="1" latinLnBrk="0" hangingPunct="1">
+        <a:defRPr sz="5197" kern="1200">
           <a:solidFill>
             <a:schemeClr val="tx1"/>
           </a:solidFill>
@@ -2973,6 +2973,138 @@
       </p:grpSpPr>
       <p:sp>
         <p:nvSpPr>
+          <p:cNvPr id="5" name="Forme libre : forme 4">
+            <a:extLst>
+              <a:ext uri="{FF2B5EF4-FFF2-40B4-BE49-F238E27FC236}">
+                <a16:creationId xmlns:a16="http://schemas.microsoft.com/office/drawing/2014/main" id="{F36E0397-13E3-442C-B54C-A641ED3E07DC}"/>
+              </a:ext>
+            </a:extLst>
+          </p:cNvPr>
+          <p:cNvSpPr/>
+          <p:nvPr/>
+        </p:nvSpPr>
+        <p:spPr>
+          <a:xfrm rot="5068837">
+            <a:off x="414644" y="-7318412"/>
+            <a:ext cx="30630904" cy="40213094"/>
+          </a:xfrm>
+          <a:custGeom>
+            <a:avLst/>
+            <a:gdLst>
+              <a:gd name="connsiteX0" fmla="*/ 2031863 w 7684518"/>
+              <a:gd name="connsiteY0" fmla="*/ 0 h 12122634"/>
+              <a:gd name="connsiteX1" fmla="*/ 559323 w 7684518"/>
+              <a:gd name="connsiteY1" fmla="*/ 1900052 h 12122634"/>
+              <a:gd name="connsiteX2" fmla="*/ 1628102 w 7684518"/>
+              <a:gd name="connsiteY2" fmla="*/ 5427024 h 12122634"/>
+              <a:gd name="connsiteX3" fmla="*/ 72435 w 7684518"/>
+              <a:gd name="connsiteY3" fmla="*/ 11614068 h 12122634"/>
+              <a:gd name="connsiteX4" fmla="*/ 4430679 w 7684518"/>
+              <a:gd name="connsiteY4" fmla="*/ 11519065 h 12122634"/>
+              <a:gd name="connsiteX5" fmla="*/ 3445027 w 7684518"/>
+              <a:gd name="connsiteY5" fmla="*/ 9512136 h 12122634"/>
+              <a:gd name="connsiteX6" fmla="*/ 7684518 w 7684518"/>
+              <a:gd name="connsiteY6" fmla="*/ 6531429 h 12122634"/>
+            </a:gdLst>
+            <a:ahLst/>
+            <a:cxnLst>
+              <a:cxn ang="0">
+                <a:pos x="connsiteX0" y="connsiteY0"/>
+              </a:cxn>
+              <a:cxn ang="0">
+                <a:pos x="connsiteX1" y="connsiteY1"/>
+              </a:cxn>
+              <a:cxn ang="0">
+                <a:pos x="connsiteX2" y="connsiteY2"/>
+              </a:cxn>
+              <a:cxn ang="0">
+                <a:pos x="connsiteX3" y="connsiteY3"/>
+              </a:cxn>
+              <a:cxn ang="0">
+                <a:pos x="connsiteX4" y="connsiteY4"/>
+              </a:cxn>
+              <a:cxn ang="0">
+                <a:pos x="connsiteX5" y="connsiteY5"/>
+              </a:cxn>
+              <a:cxn ang="0">
+                <a:pos x="connsiteX6" y="connsiteY6"/>
+              </a:cxn>
+            </a:cxnLst>
+            <a:rect l="l" t="t" r="r" b="b"/>
+            <a:pathLst>
+              <a:path w="7684518" h="12122634">
+                <a:moveTo>
+                  <a:pt x="2031863" y="0"/>
+                </a:moveTo>
+                <a:cubicBezTo>
+                  <a:pt x="1329239" y="497774"/>
+                  <a:pt x="626616" y="995548"/>
+                  <a:pt x="559323" y="1900052"/>
+                </a:cubicBezTo>
+                <a:cubicBezTo>
+                  <a:pt x="492030" y="2804556"/>
+                  <a:pt x="1709250" y="3808021"/>
+                  <a:pt x="1628102" y="5427024"/>
+                </a:cubicBezTo>
+                <a:cubicBezTo>
+                  <a:pt x="1546954" y="7046027"/>
+                  <a:pt x="-394661" y="10598728"/>
+                  <a:pt x="72435" y="11614068"/>
+                </a:cubicBezTo>
+                <a:cubicBezTo>
+                  <a:pt x="539531" y="12629408"/>
+                  <a:pt x="3868580" y="11869387"/>
+                  <a:pt x="4430679" y="11519065"/>
+                </a:cubicBezTo>
+                <a:cubicBezTo>
+                  <a:pt x="4992778" y="11168743"/>
+                  <a:pt x="2902721" y="10343409"/>
+                  <a:pt x="3445027" y="9512136"/>
+                </a:cubicBezTo>
+                <a:cubicBezTo>
+                  <a:pt x="3987333" y="8680863"/>
+                  <a:pt x="6647406" y="7020297"/>
+                  <a:pt x="7684518" y="6531429"/>
+                </a:cubicBezTo>
+              </a:path>
+            </a:pathLst>
+          </a:custGeom>
+          <a:noFill/>
+          <a:ln w="76200">
+            <a:solidFill>
+              <a:srgbClr val="017F82">
+                <a:alpha val="50196"/>
+              </a:srgbClr>
+            </a:solidFill>
+          </a:ln>
+        </p:spPr>
+        <p:style>
+          <a:lnRef idx="2">
+            <a:schemeClr val="accent1">
+              <a:shade val="50000"/>
+            </a:schemeClr>
+          </a:lnRef>
+          <a:fillRef idx="1">
+            <a:schemeClr val="accent1"/>
+          </a:fillRef>
+          <a:effectRef idx="0">
+            <a:schemeClr val="accent1"/>
+          </a:effectRef>
+          <a:fontRef idx="minor">
+            <a:schemeClr val="lt1"/>
+          </a:fontRef>
+        </p:style>
+        <p:txBody>
+          <a:bodyPr rtlCol="0" anchor="ctr"/>
+          <a:lstStyle/>
+          <a:p>
+            <a:pPr algn="ctr"/>
+            <a:endParaRPr lang="fr-FR"/>
+          </a:p>
+        </p:txBody>
+      </p:sp>
+      <p:sp>
+        <p:nvSpPr>
           <p:cNvPr id="19" name="ZoneTexte 18">
             <a:extLst>
               <a:ext uri="{FF2B5EF4-FFF2-40B4-BE49-F238E27FC236}">
@@ -2985,8 +3117,8 @@
         </p:nvSpPr>
         <p:spPr>
           <a:xfrm rot="21237303">
-            <a:off x="5844531" y="2201056"/>
-            <a:ext cx="1915909" cy="1112484"/>
+            <a:off x="458117" y="6205908"/>
+            <a:ext cx="20068571" cy="4093428"/>
           </a:xfrm>
           <a:prstGeom prst="rect">
             <a:avLst/>
@@ -2995,9 +3127,9 @@
             <a:srgbClr val="835B9B"/>
           </a:solidFill>
           <a:effectLst>
-            <a:outerShdw blurRad="50800" dist="38100" dir="8100000" algn="tr" rotWithShape="0">
+            <a:outerShdw blurRad="76200" dist="38100" dir="2700000" sx="102000" sy="102000" algn="tl" rotWithShape="0">
               <a:prstClr val="black">
-                <a:alpha val="40000"/>
+                <a:alpha val="28000"/>
               </a:prstClr>
             </a:outerShdw>
           </a:effectLst>
@@ -3009,60 +3141,14 @@
           <a:lstStyle/>
           <a:p>
             <a:r>
-              <a:rPr lang="fr-FR" sz="6629" dirty="0">
+              <a:rPr lang="fr-FR" sz="26000" dirty="0">
                 <a:solidFill>
                   <a:schemeClr val="bg1"/>
                 </a:solidFill>
                 <a:latin typeface="Lexend"/>
               </a:rPr>
-              <a:t>         </a:t>
-            </a:r>
-          </a:p>
-        </p:txBody>
-      </p:sp>
-      <p:sp>
-        <p:nvSpPr>
-          <p:cNvPr id="20" name="ZoneTexte 19">
-            <a:extLst>
-              <a:ext uri="{FF2B5EF4-FFF2-40B4-BE49-F238E27FC236}">
-                <a16:creationId xmlns:a16="http://schemas.microsoft.com/office/drawing/2014/main" id="{0A6BBB1D-1698-44FD-A0E5-B63A676D3FA9}"/>
-              </a:ext>
-            </a:extLst>
-          </p:cNvPr>
-          <p:cNvSpPr txBox="1"/>
-          <p:nvPr/>
-        </p:nvSpPr>
-        <p:spPr>
-          <a:xfrm rot="522114">
-            <a:off x="3246552" y="616915"/>
-            <a:ext cx="4566327" cy="545662"/>
-          </a:xfrm>
-          <a:prstGeom prst="rect">
-            <a:avLst/>
-          </a:prstGeom>
-          <a:solidFill>
-            <a:srgbClr val="F6AF34"/>
-          </a:solidFill>
-          <a:effectLst>
-            <a:outerShdw blurRad="50800" dist="38100" dir="2700000" algn="tl" rotWithShape="0">
-              <a:prstClr val="black">
-                <a:alpha val="40000"/>
-              </a:prstClr>
-            </a:outerShdw>
-          </a:effectLst>
-        </p:spPr>
-        <p:txBody>
-          <a:bodyPr wrap="square" rtlCol="0">
-            <a:spAutoFit/>
-          </a:bodyPr>
-          <a:lstStyle/>
-          <a:p>
-            <a:endParaRPr lang="fr-FR" sz="2946" b="1" dirty="0">
-              <a:solidFill>
-                <a:schemeClr val="bg1"/>
-              </a:solidFill>
-              <a:latin typeface="Lexend"/>
-            </a:endParaRPr>
+              <a:t>     BIMS DAY    </a:t>
+            </a:r>
           </a:p>
         </p:txBody>
       </p:sp>
@@ -3093,15 +3179,71 @@
           </a:stretch>
         </p:blipFill>
         <p:spPr>
-          <a:xfrm>
-            <a:off x="9010510" y="1388049"/>
-            <a:ext cx="2416462" cy="2416462"/>
+          <a:xfrm rot="21120346">
+            <a:off x="17391725" y="561769"/>
+            <a:ext cx="12181300" cy="12181300"/>
           </a:xfrm>
           <a:prstGeom prst="rect">
             <a:avLst/>
           </a:prstGeom>
+          <a:effectLst>
+            <a:outerShdw blurRad="254000" dist="38100" dir="2700000" sx="101000" sy="101000" algn="tl" rotWithShape="0">
+              <a:prstClr val="black">
+                <a:alpha val="40000"/>
+              </a:prstClr>
+            </a:outerShdw>
+          </a:effectLst>
         </p:spPr>
       </p:pic>
+      <p:sp>
+        <p:nvSpPr>
+          <p:cNvPr id="6" name="ZoneTexte 5">
+            <a:extLst>
+              <a:ext uri="{FF2B5EF4-FFF2-40B4-BE49-F238E27FC236}">
+                <a16:creationId xmlns:a16="http://schemas.microsoft.com/office/drawing/2014/main" id="{AAAB7CA8-6027-42A6-A96F-0AF5933E22E7}"/>
+              </a:ext>
+            </a:extLst>
+          </p:cNvPr>
+          <p:cNvSpPr txBox="1"/>
+          <p:nvPr/>
+        </p:nvSpPr>
+        <p:spPr>
+          <a:xfrm rot="21237303">
+            <a:off x="11828861" y="10741421"/>
+            <a:ext cx="6942926" cy="4093428"/>
+          </a:xfrm>
+          <a:prstGeom prst="rect">
+            <a:avLst/>
+          </a:prstGeom>
+          <a:solidFill>
+            <a:srgbClr val="F6AF34"/>
+          </a:solidFill>
+          <a:effectLst>
+            <a:outerShdw blurRad="76200" dist="38100" dir="2700000" sx="102000" sy="102000" algn="tl" rotWithShape="0">
+              <a:prstClr val="black">
+                <a:alpha val="28000"/>
+              </a:prstClr>
+            </a:outerShdw>
+          </a:effectLst>
+        </p:spPr>
+        <p:txBody>
+          <a:bodyPr wrap="none" rtlCol="0">
+            <a:spAutoFit/>
+          </a:bodyPr>
+          <a:lstStyle/>
+          <a:p>
+            <a:r>
+              <a:rPr lang="fr-FR" sz="26000" dirty="0">
+                <a:solidFill>
+                  <a:schemeClr val="bg1"/>
+                </a:solidFill>
+                <a:latin typeface="Lexend"/>
+              </a:rPr>
+              <a:t>2025</a:t>
+            </a:r>
+          </a:p>
+        </p:txBody>
+      </p:sp>
     </p:spTree>
     <p:extLst>
       <p:ext uri="{BB962C8B-B14F-4D97-AF65-F5344CB8AC3E}">

--- a/powerpoints/bims_tour_coup.pptx
+++ b/powerpoints/bims_tour_coup.pptx
@@ -243,9 +243,9 @@
           <a:p>
             <a:fld id="{666437CF-6810-4A08-BF63-137A709DEE82}" type="datetimeFigureOut">
               <a:rPr lang="fr-FR" smtClean="0"/>
-              <a:t>13/12/2024</a:t>
+              <a:t>16/12/2024</a:t>
             </a:fld>
-            <a:endParaRPr lang="fr-FR"/>
+            <a:endParaRPr lang="fr-FR" dirty="0"/>
           </a:p>
         </p:txBody>
       </p:sp>
@@ -264,7 +264,7 @@
           <a:bodyPr/>
           <a:lstStyle/>
           <a:p>
-            <a:endParaRPr lang="fr-FR"/>
+            <a:endParaRPr lang="fr-FR" dirty="0"/>
           </a:p>
         </p:txBody>
       </p:sp>
@@ -287,7 +287,7 @@
               <a:rPr lang="fr-FR" smtClean="0"/>
               <a:t>‹N°›</a:t>
             </a:fld>
-            <a:endParaRPr lang="fr-FR"/>
+            <a:endParaRPr lang="fr-FR" dirty="0"/>
           </a:p>
         </p:txBody>
       </p:sp>
@@ -413,9 +413,9 @@
           <a:p>
             <a:fld id="{666437CF-6810-4A08-BF63-137A709DEE82}" type="datetimeFigureOut">
               <a:rPr lang="fr-FR" smtClean="0"/>
-              <a:t>13/12/2024</a:t>
+              <a:t>16/12/2024</a:t>
             </a:fld>
-            <a:endParaRPr lang="fr-FR"/>
+            <a:endParaRPr lang="fr-FR" dirty="0"/>
           </a:p>
         </p:txBody>
       </p:sp>
@@ -434,7 +434,7 @@
           <a:bodyPr/>
           <a:lstStyle/>
           <a:p>
-            <a:endParaRPr lang="fr-FR"/>
+            <a:endParaRPr lang="fr-FR" dirty="0"/>
           </a:p>
         </p:txBody>
       </p:sp>
@@ -457,7 +457,7 @@
               <a:rPr lang="fr-FR" smtClean="0"/>
               <a:t>‹N°›</a:t>
             </a:fld>
-            <a:endParaRPr lang="fr-FR"/>
+            <a:endParaRPr lang="fr-FR" dirty="0"/>
           </a:p>
         </p:txBody>
       </p:sp>
@@ -593,9 +593,9 @@
           <a:p>
             <a:fld id="{666437CF-6810-4A08-BF63-137A709DEE82}" type="datetimeFigureOut">
               <a:rPr lang="fr-FR" smtClean="0"/>
-              <a:t>13/12/2024</a:t>
+              <a:t>16/12/2024</a:t>
             </a:fld>
-            <a:endParaRPr lang="fr-FR"/>
+            <a:endParaRPr lang="fr-FR" dirty="0"/>
           </a:p>
         </p:txBody>
       </p:sp>
@@ -614,7 +614,7 @@
           <a:bodyPr/>
           <a:lstStyle/>
           <a:p>
-            <a:endParaRPr lang="fr-FR"/>
+            <a:endParaRPr lang="fr-FR" dirty="0"/>
           </a:p>
         </p:txBody>
       </p:sp>
@@ -637,7 +637,7 @@
               <a:rPr lang="fr-FR" smtClean="0"/>
               <a:t>‹N°›</a:t>
             </a:fld>
-            <a:endParaRPr lang="fr-FR"/>
+            <a:endParaRPr lang="fr-FR" dirty="0"/>
           </a:p>
         </p:txBody>
       </p:sp>
@@ -763,9 +763,9 @@
           <a:p>
             <a:fld id="{666437CF-6810-4A08-BF63-137A709DEE82}" type="datetimeFigureOut">
               <a:rPr lang="fr-FR" smtClean="0"/>
-              <a:t>13/12/2024</a:t>
+              <a:t>16/12/2024</a:t>
             </a:fld>
-            <a:endParaRPr lang="fr-FR"/>
+            <a:endParaRPr lang="fr-FR" dirty="0"/>
           </a:p>
         </p:txBody>
       </p:sp>
@@ -784,7 +784,7 @@
           <a:bodyPr/>
           <a:lstStyle/>
           <a:p>
-            <a:endParaRPr lang="fr-FR"/>
+            <a:endParaRPr lang="fr-FR" dirty="0"/>
           </a:p>
         </p:txBody>
       </p:sp>
@@ -807,7 +807,7 @@
               <a:rPr lang="fr-FR" smtClean="0"/>
               <a:t>‹N°›</a:t>
             </a:fld>
-            <a:endParaRPr lang="fr-FR"/>
+            <a:endParaRPr lang="fr-FR" dirty="0"/>
           </a:p>
         </p:txBody>
       </p:sp>
@@ -1007,9 +1007,9 @@
           <a:p>
             <a:fld id="{666437CF-6810-4A08-BF63-137A709DEE82}" type="datetimeFigureOut">
               <a:rPr lang="fr-FR" smtClean="0"/>
-              <a:t>13/12/2024</a:t>
+              <a:t>16/12/2024</a:t>
             </a:fld>
-            <a:endParaRPr lang="fr-FR"/>
+            <a:endParaRPr lang="fr-FR" dirty="0"/>
           </a:p>
         </p:txBody>
       </p:sp>
@@ -1028,7 +1028,7 @@
           <a:bodyPr/>
           <a:lstStyle/>
           <a:p>
-            <a:endParaRPr lang="fr-FR"/>
+            <a:endParaRPr lang="fr-FR" dirty="0"/>
           </a:p>
         </p:txBody>
       </p:sp>
@@ -1051,7 +1051,7 @@
               <a:rPr lang="fr-FR" smtClean="0"/>
               <a:t>‹N°›</a:t>
             </a:fld>
-            <a:endParaRPr lang="fr-FR"/>
+            <a:endParaRPr lang="fr-FR" dirty="0"/>
           </a:p>
         </p:txBody>
       </p:sp>
@@ -1239,9 +1239,9 @@
           <a:p>
             <a:fld id="{666437CF-6810-4A08-BF63-137A709DEE82}" type="datetimeFigureOut">
               <a:rPr lang="fr-FR" smtClean="0"/>
-              <a:t>13/12/2024</a:t>
+              <a:t>16/12/2024</a:t>
             </a:fld>
-            <a:endParaRPr lang="fr-FR"/>
+            <a:endParaRPr lang="fr-FR" dirty="0"/>
           </a:p>
         </p:txBody>
       </p:sp>
@@ -1260,7 +1260,7 @@
           <a:bodyPr/>
           <a:lstStyle/>
           <a:p>
-            <a:endParaRPr lang="fr-FR"/>
+            <a:endParaRPr lang="fr-FR" dirty="0"/>
           </a:p>
         </p:txBody>
       </p:sp>
@@ -1283,7 +1283,7 @@
               <a:rPr lang="fr-FR" smtClean="0"/>
               <a:t>‹N°›</a:t>
             </a:fld>
-            <a:endParaRPr lang="fr-FR"/>
+            <a:endParaRPr lang="fr-FR" dirty="0"/>
           </a:p>
         </p:txBody>
       </p:sp>
@@ -1606,9 +1606,9 @@
           <a:p>
             <a:fld id="{666437CF-6810-4A08-BF63-137A709DEE82}" type="datetimeFigureOut">
               <a:rPr lang="fr-FR" smtClean="0"/>
-              <a:t>13/12/2024</a:t>
+              <a:t>16/12/2024</a:t>
             </a:fld>
-            <a:endParaRPr lang="fr-FR"/>
+            <a:endParaRPr lang="fr-FR" dirty="0"/>
           </a:p>
         </p:txBody>
       </p:sp>
@@ -1627,7 +1627,7 @@
           <a:bodyPr/>
           <a:lstStyle/>
           <a:p>
-            <a:endParaRPr lang="fr-FR"/>
+            <a:endParaRPr lang="fr-FR" dirty="0"/>
           </a:p>
         </p:txBody>
       </p:sp>
@@ -1650,7 +1650,7 @@
               <a:rPr lang="fr-FR" smtClean="0"/>
               <a:t>‹N°›</a:t>
             </a:fld>
-            <a:endParaRPr lang="fr-FR"/>
+            <a:endParaRPr lang="fr-FR" dirty="0"/>
           </a:p>
         </p:txBody>
       </p:sp>
@@ -1724,9 +1724,9 @@
           <a:p>
             <a:fld id="{666437CF-6810-4A08-BF63-137A709DEE82}" type="datetimeFigureOut">
               <a:rPr lang="fr-FR" smtClean="0"/>
-              <a:t>13/12/2024</a:t>
+              <a:t>16/12/2024</a:t>
             </a:fld>
-            <a:endParaRPr lang="fr-FR"/>
+            <a:endParaRPr lang="fr-FR" dirty="0"/>
           </a:p>
         </p:txBody>
       </p:sp>
@@ -1745,7 +1745,7 @@
           <a:bodyPr/>
           <a:lstStyle/>
           <a:p>
-            <a:endParaRPr lang="fr-FR"/>
+            <a:endParaRPr lang="fr-FR" dirty="0"/>
           </a:p>
         </p:txBody>
       </p:sp>
@@ -1768,7 +1768,7 @@
               <a:rPr lang="fr-FR" smtClean="0"/>
               <a:t>‹N°›</a:t>
             </a:fld>
-            <a:endParaRPr lang="fr-FR"/>
+            <a:endParaRPr lang="fr-FR" dirty="0"/>
           </a:p>
         </p:txBody>
       </p:sp>
@@ -1819,9 +1819,9 @@
           <a:p>
             <a:fld id="{666437CF-6810-4A08-BF63-137A709DEE82}" type="datetimeFigureOut">
               <a:rPr lang="fr-FR" smtClean="0"/>
-              <a:t>13/12/2024</a:t>
+              <a:t>16/12/2024</a:t>
             </a:fld>
-            <a:endParaRPr lang="fr-FR"/>
+            <a:endParaRPr lang="fr-FR" dirty="0"/>
           </a:p>
         </p:txBody>
       </p:sp>
@@ -1840,7 +1840,7 @@
           <a:bodyPr/>
           <a:lstStyle/>
           <a:p>
-            <a:endParaRPr lang="fr-FR"/>
+            <a:endParaRPr lang="fr-FR" dirty="0"/>
           </a:p>
         </p:txBody>
       </p:sp>
@@ -1863,7 +1863,7 @@
               <a:rPr lang="fr-FR" smtClean="0"/>
               <a:t>‹N°›</a:t>
             </a:fld>
-            <a:endParaRPr lang="fr-FR"/>
+            <a:endParaRPr lang="fr-FR" dirty="0"/>
           </a:p>
         </p:txBody>
       </p:sp>
@@ -2096,9 +2096,9 @@
           <a:p>
             <a:fld id="{666437CF-6810-4A08-BF63-137A709DEE82}" type="datetimeFigureOut">
               <a:rPr lang="fr-FR" smtClean="0"/>
-              <a:t>13/12/2024</a:t>
+              <a:t>16/12/2024</a:t>
             </a:fld>
-            <a:endParaRPr lang="fr-FR"/>
+            <a:endParaRPr lang="fr-FR" dirty="0"/>
           </a:p>
         </p:txBody>
       </p:sp>
@@ -2117,7 +2117,7 @@
           <a:bodyPr/>
           <a:lstStyle/>
           <a:p>
-            <a:endParaRPr lang="fr-FR"/>
+            <a:endParaRPr lang="fr-FR" dirty="0"/>
           </a:p>
         </p:txBody>
       </p:sp>
@@ -2140,7 +2140,7 @@
               <a:rPr lang="fr-FR" smtClean="0"/>
               <a:t>‹N°›</a:t>
             </a:fld>
-            <a:endParaRPr lang="fr-FR"/>
+            <a:endParaRPr lang="fr-FR" dirty="0"/>
           </a:p>
         </p:txBody>
       </p:sp>
@@ -2264,7 +2264,7 @@
           </a:lstStyle>
           <a:p>
             <a:r>
-              <a:rPr lang="fr-FR"/>
+              <a:rPr lang="fr-FR" dirty="0"/>
               <a:t>Cliquez sur l'icône pour ajouter une image</a:t>
             </a:r>
             <a:endParaRPr lang="en-US" dirty="0"/>
@@ -2353,9 +2353,9 @@
           <a:p>
             <a:fld id="{666437CF-6810-4A08-BF63-137A709DEE82}" type="datetimeFigureOut">
               <a:rPr lang="fr-FR" smtClean="0"/>
-              <a:t>13/12/2024</a:t>
+              <a:t>16/12/2024</a:t>
             </a:fld>
-            <a:endParaRPr lang="fr-FR"/>
+            <a:endParaRPr lang="fr-FR" dirty="0"/>
           </a:p>
         </p:txBody>
       </p:sp>
@@ -2374,7 +2374,7 @@
           <a:bodyPr/>
           <a:lstStyle/>
           <a:p>
-            <a:endParaRPr lang="fr-FR"/>
+            <a:endParaRPr lang="fr-FR" dirty="0"/>
           </a:p>
         </p:txBody>
       </p:sp>
@@ -2397,7 +2397,7 @@
               <a:rPr lang="fr-FR" smtClean="0"/>
               <a:t>‹N°›</a:t>
             </a:fld>
-            <a:endParaRPr lang="fr-FR"/>
+            <a:endParaRPr lang="fr-FR" dirty="0"/>
           </a:p>
         </p:txBody>
       </p:sp>
@@ -2566,9 +2566,9 @@
           <a:p>
             <a:fld id="{666437CF-6810-4A08-BF63-137A709DEE82}" type="datetimeFigureOut">
               <a:rPr lang="fr-FR" smtClean="0"/>
-              <a:t>13/12/2024</a:t>
+              <a:t>16/12/2024</a:t>
             </a:fld>
-            <a:endParaRPr lang="fr-FR"/>
+            <a:endParaRPr lang="fr-FR" dirty="0"/>
           </a:p>
         </p:txBody>
       </p:sp>
@@ -2605,7 +2605,7 @@
             </a:lvl1pPr>
           </a:lstStyle>
           <a:p>
-            <a:endParaRPr lang="fr-FR"/>
+            <a:endParaRPr lang="fr-FR" dirty="0"/>
           </a:p>
         </p:txBody>
       </p:sp>
@@ -2646,7 +2646,7 @@
               <a:rPr lang="fr-FR" smtClean="0"/>
               <a:t>‹N°›</a:t>
             </a:fld>
-            <a:endParaRPr lang="fr-FR"/>
+            <a:endParaRPr lang="fr-FR" dirty="0"/>
           </a:p>
         </p:txBody>
       </p:sp>
@@ -3099,7 +3099,7 @@
           <a:lstStyle/>
           <a:p>
             <a:pPr algn="ctr"/>
-            <a:endParaRPr lang="fr-FR"/>
+            <a:endParaRPr lang="fr-FR" dirty="0"/>
           </a:p>
         </p:txBody>
       </p:sp>
